--- a/lectures/calibration/RIME.pptx
+++ b/lectures/calibration/RIME.pptx
@@ -15038,21 +15038,13 @@
           <a:p>
             <a:r>
               <a:rPr lang="en-ZA" dirty="0" smtClean="0"/>
-              <a:t>corrupting</a:t>
-            </a:r>
-            <a:r>
-              <a:rPr lang="en-ZA" dirty="0" smtClean="0"/>
-              <a:t> effects along the propagation </a:t>
+              <a:t>corrupting effects along the propagation </a:t>
             </a:r>
           </a:p>
           <a:p>
             <a:r>
               <a:rPr lang="en-ZA" dirty="0" smtClean="0"/>
-              <a:t>path</a:t>
-            </a:r>
-            <a:r>
-              <a:rPr lang="en-ZA" dirty="0" smtClean="0"/>
-              <a:t> </a:t>
+              <a:t>path </a:t>
             </a:r>
             <a:endParaRPr lang="en-ZA" dirty="0"/>
           </a:p>
@@ -15873,15 +15865,7 @@
                   <a:srgbClr val="0000FF"/>
                 </a:solidFill>
               </a:rPr>
-              <a:t>     linearly </a:t>
-            </a:r>
-            <a:r>
-              <a:rPr lang="en-ZA" sz="2400" dirty="0" smtClean="0">
-                <a:solidFill>
-                  <a:srgbClr val="0000FF"/>
-                </a:solidFill>
-              </a:rPr>
-              <a:t>polarized feeds</a:t>
+              <a:t>     linearly polarized feeds</a:t>
             </a:r>
             <a:r>
               <a:rPr lang="en-ZA" sz="2400" dirty="0" smtClean="0"/>
@@ -15929,15 +15913,7 @@
                   <a:srgbClr val="0000FF"/>
                 </a:solidFill>
               </a:rPr>
-              <a:t>     circularly </a:t>
-            </a:r>
-            <a:r>
-              <a:rPr lang="en-ZA" sz="2400" dirty="0" smtClean="0">
-                <a:solidFill>
-                  <a:srgbClr val="0000FF"/>
-                </a:solidFill>
-              </a:rPr>
-              <a:t>polarized feeds</a:t>
+              <a:t>     circularly polarized feeds</a:t>
             </a:r>
             <a:r>
               <a:rPr lang="en-ZA" sz="2400" dirty="0" smtClean="0"/>
@@ -17599,8 +17575,8 @@
           </p:sp>
         </mc:Fallback>
       </mc:AlternateContent>
-      <mc:AlternateContent xmlns:mc="http://schemas.openxmlformats.org/markup-compatibility/2006" xmlns:a14="http://schemas.microsoft.com/office/drawing/2010/main">
-        <mc:Choice Requires="a14">
+      <mc:AlternateContent xmlns:mc="http://schemas.openxmlformats.org/markup-compatibility/2006">
+        <mc:Choice xmlns:a14="http://schemas.microsoft.com/office/drawing/2010/main" Requires="a14">
           <p:sp>
             <p:nvSpPr>
               <p:cNvPr id="4" name="TextBox 3"/>
@@ -17610,7 +17586,7 @@
             <p:spPr>
               <a:xfrm>
                 <a:off x="1877103" y="3497755"/>
-                <a:ext cx="3907737" cy="863378"/>
+                <a:ext cx="3874074" cy="890180"/>
               </a:xfrm>
               <a:prstGeom prst="rect">
                 <a:avLst/>
@@ -17721,8 +17697,8 @@
                               </m:r>
                             </m:e>
                             <m:e>
-                              <m:sSup>
-                                <m:sSupPr>
+                              <m:sSub>
+                                <m:sSubPr>
                                   <m:ctrlPr>
                                     <a:rPr lang="en-ZA" sz="2800" b="0" i="1" smtClean="0">
                                       <a:solidFill>
@@ -17731,7 +17707,7 @@
                                       <a:latin typeface="Cambria Math" panose="02040503050406030204" pitchFamily="18" charset="0"/>
                                     </a:rPr>
                                   </m:ctrlPr>
-                                </m:sSupPr>
+                                </m:sSubPr>
                                 <m:e>
                                   <m:r>
                                     <a:rPr lang="en-ZA" sz="2800" b="0" i="1" smtClean="0">
@@ -17743,7 +17719,7 @@
                                     <m:t>𝐷</m:t>
                                   </m:r>
                                 </m:e>
-                                <m:sup>
+                                <m:sub>
                                   <m:r>
                                     <a:rPr lang="en-ZA" sz="2800" b="0" i="1" smtClean="0">
                                       <a:solidFill>
@@ -17751,16 +17727,16 @@
                                       </a:solidFill>
                                       <a:latin typeface="Cambria Math" panose="02040503050406030204" pitchFamily="18" charset="0"/>
                                     </a:rPr>
-                                    <m:t>𝑅</m:t>
+                                    <m:t>𝑋</m:t>
                                   </m:r>
-                                </m:sup>
-                              </m:sSup>
+                                </m:sub>
+                              </m:sSub>
                             </m:e>
                           </m:mr>
                           <m:mr>
                             <m:e>
-                              <m:sSup>
-                                <m:sSupPr>
+                              <m:sSub>
+                                <m:sSubPr>
                                   <m:ctrlPr>
                                     <a:rPr lang="en-ZA" sz="2800" b="0" i="1" smtClean="0">
                                       <a:solidFill>
@@ -17769,7 +17745,7 @@
                                       <a:latin typeface="Cambria Math" panose="02040503050406030204" pitchFamily="18" charset="0"/>
                                     </a:rPr>
                                   </m:ctrlPr>
-                                </m:sSupPr>
+                                </m:sSubPr>
                                 <m:e>
                                   <m:r>
                                     <a:rPr lang="en-ZA" sz="2800" b="0" i="1" smtClean="0">
@@ -17781,7 +17757,7 @@
                                     <m:t>𝐷</m:t>
                                   </m:r>
                                 </m:e>
-                                <m:sup>
+                                <m:sub>
                                   <m:r>
                                     <a:rPr lang="en-ZA" sz="2800" b="0" i="1" smtClean="0">
                                       <a:solidFill>
@@ -17789,10 +17765,10 @@
                                       </a:solidFill>
                                       <a:latin typeface="Cambria Math" panose="02040503050406030204" pitchFamily="18" charset="0"/>
                                     </a:rPr>
-                                    <m:t>𝐿</m:t>
+                                    <m:t>𝑌</m:t>
                                   </m:r>
-                                </m:sup>
-                              </m:sSup>
+                                </m:sub>
+                              </m:sSub>
                             </m:e>
                             <m:e>
                               <m:r>
@@ -17822,7 +17798,7 @@
             </p:txBody>
           </p:sp>
         </mc:Choice>
-        <mc:Fallback xmlns="">
+        <mc:Fallback>
           <p:sp>
             <p:nvSpPr>
               <p:cNvPr id="4" name="TextBox 3"/>
@@ -17834,7 +17810,7 @@
             <p:spPr>
               <a:xfrm>
                 <a:off x="1877103" y="3497755"/>
-                <a:ext cx="3907737" cy="863378"/>
+                <a:ext cx="3874074" cy="890180"/>
               </a:xfrm>
               <a:prstGeom prst="rect">
                 <a:avLst/>
@@ -17861,8 +17837,8 @@
           </p:sp>
         </mc:Fallback>
       </mc:AlternateContent>
-      <mc:AlternateContent xmlns:mc="http://schemas.openxmlformats.org/markup-compatibility/2006" xmlns:a14="http://schemas.microsoft.com/office/drawing/2010/main">
-        <mc:Choice Requires="a14">
+      <mc:AlternateContent xmlns:mc="http://schemas.openxmlformats.org/markup-compatibility/2006">
+        <mc:Choice xmlns:a14="http://schemas.microsoft.com/office/drawing/2010/main" Requires="a14">
           <p:sp>
             <p:nvSpPr>
               <p:cNvPr id="6" name="TextBox 5"/>
@@ -17872,7 +17848,7 @@
             <p:spPr>
               <a:xfrm>
                 <a:off x="1906396" y="4660785"/>
-                <a:ext cx="3465693" cy="866391"/>
+                <a:ext cx="3419719" cy="890180"/>
               </a:xfrm>
               <a:prstGeom prst="rect">
                 <a:avLst/>
@@ -17969,8 +17945,8 @@
                           </m:mPr>
                           <m:mr>
                             <m:e>
-                              <m:sSup>
-                                <m:sSupPr>
+                              <m:sSub>
+                                <m:sSubPr>
                                   <m:ctrlPr>
                                     <a:rPr lang="en-ZA" sz="2800" b="0" i="1" smtClean="0">
                                       <a:solidFill>
@@ -17979,7 +17955,7 @@
                                       <a:latin typeface="Cambria Math" panose="02040503050406030204" pitchFamily="18" charset="0"/>
                                     </a:rPr>
                                   </m:ctrlPr>
-                                </m:sSupPr>
+                                </m:sSubPr>
                                 <m:e>
                                   <m:r>
                                     <a:rPr lang="en-ZA" sz="2800" b="0" i="1" smtClean="0">
@@ -17991,7 +17967,7 @@
                                     <m:t>𝐺</m:t>
                                   </m:r>
                                 </m:e>
-                                <m:sup>
+                                <m:sub>
                                   <m:r>
                                     <a:rPr lang="en-ZA" sz="2800" b="0" i="1" smtClean="0">
                                       <a:solidFill>
@@ -17999,10 +17975,10 @@
                                       </a:solidFill>
                                       <a:latin typeface="Cambria Math" panose="02040503050406030204" pitchFamily="18" charset="0"/>
                                     </a:rPr>
-                                    <m:t>𝑅</m:t>
+                                    <m:t>𝑋</m:t>
                                   </m:r>
-                                </m:sup>
-                              </m:sSup>
+                                </m:sub>
+                              </m:sSub>
                             </m:e>
                             <m:e>
                               <m:r>
@@ -18029,8 +18005,8 @@
                               </m:r>
                             </m:e>
                             <m:e>
-                              <m:sSup>
-                                <m:sSupPr>
+                              <m:sSub>
+                                <m:sSubPr>
                                   <m:ctrlPr>
                                     <a:rPr lang="en-ZA" sz="2800" b="0" i="1" smtClean="0">
                                       <a:solidFill>
@@ -18039,7 +18015,7 @@
                                       <a:latin typeface="Cambria Math" panose="02040503050406030204" pitchFamily="18" charset="0"/>
                                     </a:rPr>
                                   </m:ctrlPr>
-                                </m:sSupPr>
+                                </m:sSubPr>
                                 <m:e>
                                   <m:r>
                                     <a:rPr lang="en-ZA" sz="2800" b="0" i="1" smtClean="0">
@@ -18051,7 +18027,7 @@
                                     <m:t>𝐺</m:t>
                                   </m:r>
                                 </m:e>
-                                <m:sup>
+                                <m:sub>
                                   <m:r>
                                     <a:rPr lang="en-ZA" sz="2800" b="0" i="1" smtClean="0">
                                       <a:solidFill>
@@ -18059,10 +18035,10 @@
                                       </a:solidFill>
                                       <a:latin typeface="Cambria Math" panose="02040503050406030204" pitchFamily="18" charset="0"/>
                                     </a:rPr>
-                                    <m:t>𝐿</m:t>
+                                    <m:t>𝑌</m:t>
                                   </m:r>
-                                </m:sup>
-                              </m:sSup>
+                                </m:sub>
+                              </m:sSub>
                             </m:e>
                           </m:mr>
                         </m:m>
@@ -18081,7 +18057,7 @@
             </p:txBody>
           </p:sp>
         </mc:Choice>
-        <mc:Fallback xmlns="">
+        <mc:Fallback>
           <p:sp>
             <p:nvSpPr>
               <p:cNvPr id="6" name="TextBox 5"/>
@@ -18093,7 +18069,7 @@
             <p:spPr>
               <a:xfrm>
                 <a:off x="1906396" y="4660785"/>
-                <a:ext cx="3465693" cy="866391"/>
+                <a:ext cx="3419719" cy="890180"/>
               </a:xfrm>
               <a:prstGeom prst="rect">
                 <a:avLst/>
@@ -20595,8 +20571,8 @@
           </a:p>
         </p:txBody>
       </p:sp>
-      <mc:AlternateContent xmlns:mc="http://schemas.openxmlformats.org/markup-compatibility/2006" xmlns:a14="http://schemas.microsoft.com/office/drawing/2010/main">
-        <mc:Choice Requires="a14">
+      <mc:AlternateContent xmlns:mc="http://schemas.openxmlformats.org/markup-compatibility/2006">
+        <mc:Choice xmlns:a14="http://schemas.microsoft.com/office/drawing/2010/main" Requires="a14">
           <p:sp>
             <p:nvSpPr>
               <p:cNvPr id="13" name="TextBox 12"/>
@@ -20606,7 +20582,7 @@
             <p:spPr>
               <a:xfrm>
                 <a:off x="1706415" y="1362126"/>
-                <a:ext cx="3907737" cy="863378"/>
+                <a:ext cx="3781869" cy="890180"/>
               </a:xfrm>
               <a:prstGeom prst="rect">
                 <a:avLst/>
@@ -20717,8 +20693,8 @@
                               </m:r>
                             </m:e>
                             <m:e>
-                              <m:sSup>
-                                <m:sSupPr>
+                              <m:sSub>
+                                <m:sSubPr>
                                   <m:ctrlPr>
                                     <a:rPr lang="en-ZA" sz="2800" b="0" i="1" smtClean="0">
                                       <a:solidFill>
@@ -20727,7 +20703,7 @@
                                       <a:latin typeface="Cambria Math" panose="02040503050406030204" pitchFamily="18" charset="0"/>
                                     </a:rPr>
                                   </m:ctrlPr>
-                                </m:sSupPr>
+                                </m:sSubPr>
                                 <m:e>
                                   <m:r>
                                     <a:rPr lang="en-ZA" sz="2800" b="0" i="1" smtClean="0">
@@ -20739,7 +20715,7 @@
                                     <m:t>𝐷</m:t>
                                   </m:r>
                                 </m:e>
-                                <m:sup>
+                                <m:sub>
                                   <m:r>
                                     <a:rPr lang="en-ZA" sz="2800" b="0" i="1" smtClean="0">
                                       <a:solidFill>
@@ -20747,16 +20723,16 @@
                                       </a:solidFill>
                                       <a:latin typeface="Cambria Math" panose="02040503050406030204" pitchFamily="18" charset="0"/>
                                     </a:rPr>
-                                    <m:t>𝑅</m:t>
+                                    <m:t>𝑋</m:t>
                                   </m:r>
-                                </m:sup>
-                              </m:sSup>
+                                </m:sub>
+                              </m:sSub>
                             </m:e>
                           </m:mr>
                           <m:mr>
                             <m:e>
-                              <m:sSup>
-                                <m:sSupPr>
+                              <m:sSub>
+                                <m:sSubPr>
                                   <m:ctrlPr>
                                     <a:rPr lang="en-ZA" sz="2800" b="0" i="1" smtClean="0">
                                       <a:solidFill>
@@ -20765,7 +20741,7 @@
                                       <a:latin typeface="Cambria Math" panose="02040503050406030204" pitchFamily="18" charset="0"/>
                                     </a:rPr>
                                   </m:ctrlPr>
-                                </m:sSupPr>
+                                </m:sSubPr>
                                 <m:e>
                                   <m:r>
                                     <a:rPr lang="en-ZA" sz="2800" b="0" i="1" smtClean="0">
@@ -20777,7 +20753,7 @@
                                     <m:t>𝐷</m:t>
                                   </m:r>
                                 </m:e>
-                                <m:sup>
+                                <m:sub>
                                   <m:r>
                                     <a:rPr lang="en-ZA" sz="2800" b="0" i="1" smtClean="0">
                                       <a:solidFill>
@@ -20785,10 +20761,10 @@
                                       </a:solidFill>
                                       <a:latin typeface="Cambria Math" panose="02040503050406030204" pitchFamily="18" charset="0"/>
                                     </a:rPr>
-                                    <m:t>𝐿</m:t>
+                                    <m:t>𝑌</m:t>
                                   </m:r>
-                                </m:sup>
-                              </m:sSup>
+                                </m:sub>
+                              </m:sSub>
                             </m:e>
                             <m:e>
                               <m:r>
@@ -20818,7 +20794,7 @@
             </p:txBody>
           </p:sp>
         </mc:Choice>
-        <mc:Fallback xmlns="">
+        <mc:Fallback>
           <p:sp>
             <p:nvSpPr>
               <p:cNvPr id="13" name="TextBox 12"/>
@@ -20830,7 +20806,7 @@
             <p:spPr>
               <a:xfrm>
                 <a:off x="1706415" y="1362126"/>
-                <a:ext cx="3907737" cy="863378"/>
+                <a:ext cx="3781869" cy="890180"/>
               </a:xfrm>
               <a:prstGeom prst="rect">
                 <a:avLst/>
@@ -20857,8 +20833,8 @@
           </p:sp>
         </mc:Fallback>
       </mc:AlternateContent>
-      <mc:AlternateContent xmlns:mc="http://schemas.openxmlformats.org/markup-compatibility/2006" xmlns:a14="http://schemas.microsoft.com/office/drawing/2010/main">
-        <mc:Choice Requires="a14">
+      <mc:AlternateContent xmlns:mc="http://schemas.openxmlformats.org/markup-compatibility/2006">
+        <mc:Choice xmlns:a14="http://schemas.microsoft.com/office/drawing/2010/main" Requires="a14">
           <p:sp>
             <p:nvSpPr>
               <p:cNvPr id="14" name="TextBox 13"/>
@@ -20868,7 +20844,7 @@
             <p:spPr>
               <a:xfrm>
                 <a:off x="5089695" y="3480531"/>
-                <a:ext cx="2500941" cy="866199"/>
+                <a:ext cx="2494914" cy="960071"/>
               </a:xfrm>
               <a:prstGeom prst="rect">
                 <a:avLst/>
@@ -20952,8 +20928,8 @@
                                 </m:r>
                               </m:e>
                               <m:e>
-                                <m:sSup>
-                                  <m:sSupPr>
+                                <m:sSub>
+                                  <m:sSubPr>
                                     <m:ctrlPr>
                                       <a:rPr lang="en-ZA" sz="2800" b="0" i="1" smtClean="0">
                                         <a:solidFill>
@@ -20962,7 +20938,7 @@
                                         <a:latin typeface="Cambria Math" panose="02040503050406030204" pitchFamily="18" charset="0"/>
                                       </a:rPr>
                                     </m:ctrlPr>
-                                  </m:sSupPr>
+                                  </m:sSubPr>
                                   <m:e>
                                     <m:r>
                                       <a:rPr lang="en-ZA" sz="2800" b="0" i="1" smtClean="0">
@@ -20974,7 +20950,7 @@
                                       <m:t>𝑑</m:t>
                                     </m:r>
                                   </m:e>
-                                  <m:sup>
+                                  <m:sub>
                                     <m:r>
                                       <a:rPr lang="en-ZA" sz="2800" b="0" i="1" smtClean="0">
                                         <a:solidFill>
@@ -20982,16 +20958,16 @@
                                         </a:solidFill>
                                         <a:latin typeface="Cambria Math" panose="02040503050406030204" pitchFamily="18" charset="0"/>
                                       </a:rPr>
-                                      <m:t>𝑅</m:t>
+                                      <m:t>𝑥</m:t>
                                     </m:r>
-                                  </m:sup>
-                                </m:sSup>
+                                  </m:sub>
+                                </m:sSub>
                               </m:e>
                             </m:mr>
                             <m:mr>
                               <m:e>
-                                <m:sSup>
-                                  <m:sSupPr>
+                                <m:sSub>
+                                  <m:sSubPr>
                                     <m:ctrlPr>
                                       <a:rPr lang="en-ZA" sz="2800" b="0" i="1" smtClean="0">
                                         <a:solidFill>
@@ -21000,7 +20976,7 @@
                                         <a:latin typeface="Cambria Math" panose="02040503050406030204" pitchFamily="18" charset="0"/>
                                       </a:rPr>
                                     </m:ctrlPr>
-                                  </m:sSupPr>
+                                  </m:sSubPr>
                                   <m:e>
                                     <m:r>
                                       <a:rPr lang="en-ZA" sz="2800" b="0" i="1" smtClean="0">
@@ -21012,7 +20988,7 @@
                                       <m:t>𝑑</m:t>
                                     </m:r>
                                   </m:e>
-                                  <m:sup>
+                                  <m:sub>
                                     <m:r>
                                       <a:rPr lang="en-ZA" sz="2800" b="0" i="1" smtClean="0">
                                         <a:solidFill>
@@ -21020,10 +20996,10 @@
                                         </a:solidFill>
                                         <a:latin typeface="Cambria Math" panose="02040503050406030204" pitchFamily="18" charset="0"/>
                                       </a:rPr>
-                                      <m:t>𝐿</m:t>
+                                      <m:t>𝑦</m:t>
                                     </m:r>
-                                  </m:sup>
-                                </m:sSup>
+                                  </m:sub>
+                                </m:sSub>
                               </m:e>
                               <m:e>
                                 <m:r>
@@ -21054,7 +21030,7 @@
             </p:txBody>
           </p:sp>
         </mc:Choice>
-        <mc:Fallback xmlns="">
+        <mc:Fallback>
           <p:sp>
             <p:nvSpPr>
               <p:cNvPr id="14" name="TextBox 13"/>
@@ -21066,7 +21042,7 @@
             <p:spPr>
               <a:xfrm>
                 <a:off x="5089695" y="3480531"/>
-                <a:ext cx="2500941" cy="866199"/>
+                <a:ext cx="2494914" cy="960071"/>
               </a:xfrm>
               <a:prstGeom prst="rect">
                 <a:avLst/>
@@ -21164,8 +21140,8 @@
         </p:nvCxnSpPr>
         <p:spPr>
           <a:xfrm flipH="1" flipV="1">
-            <a:off x="7120128" y="3852672"/>
-            <a:ext cx="1085088" cy="1133856"/>
+            <a:off x="7180118" y="3958936"/>
+            <a:ext cx="1025098" cy="1027592"/>
           </a:xfrm>
           <a:prstGeom prst="straightConnector1">
             <a:avLst/>
@@ -24517,8 +24493,8 @@
           </a:p>
         </p:txBody>
       </p:sp>
-      <mc:AlternateContent xmlns:mc="http://schemas.openxmlformats.org/markup-compatibility/2006" xmlns:a14="http://schemas.microsoft.com/office/drawing/2010/main">
-        <mc:Choice Requires="a14">
+      <mc:AlternateContent xmlns:mc="http://schemas.openxmlformats.org/markup-compatibility/2006">
+        <mc:Choice xmlns:a14="http://schemas.microsoft.com/office/drawing/2010/main" Requires="a14">
           <p:sp>
             <p:nvSpPr>
               <p:cNvPr id="6" name="TextBox 5"/>
@@ -24528,7 +24504,7 @@
             <p:spPr>
               <a:xfrm>
                 <a:off x="4434019" y="3542606"/>
-                <a:ext cx="5697072" cy="958852"/>
+                <a:ext cx="5654368" cy="1165512"/>
               </a:xfrm>
               <a:prstGeom prst="rect">
                 <a:avLst/>
@@ -24598,17 +24574,17 @@
                             </m:mPr>
                             <m:mr>
                               <m:e>
-                                <m:sSup>
-                                  <m:sSupPr>
+                                <m:sSub>
+                                  <m:sSubPr>
                                     <m:ctrlPr>
-                                      <a:rPr lang="en-ZA" sz="2800" i="1">
+                                      <a:rPr lang="en-ZA" sz="2800" i="1" smtClean="0">
                                         <a:solidFill>
                                           <a:srgbClr val="CC0099"/>
                                         </a:solidFill>
                                         <a:latin typeface="Cambria Math" panose="02040503050406030204" pitchFamily="18" charset="0"/>
                                       </a:rPr>
                                     </m:ctrlPr>
-                                  </m:sSupPr>
+                                  </m:sSubPr>
                                   <m:e>
                                     <m:r>
                                       <a:rPr lang="en-ZA" sz="2800" b="0" i="1" smtClean="0">
@@ -24620,7 +24596,7 @@
                                       <m:t>𝑔</m:t>
                                     </m:r>
                                   </m:e>
-                                  <m:sup>
+                                  <m:sub>
                                     <m:r>
                                       <a:rPr lang="en-ZA" sz="2800" b="0" i="1" smtClean="0">
                                         <a:solidFill>
@@ -24628,10 +24604,10 @@
                                         </a:solidFill>
                                         <a:latin typeface="Cambria Math" panose="02040503050406030204" pitchFamily="18" charset="0"/>
                                       </a:rPr>
-                                      <m:t>𝑅</m:t>
+                                      <m:t>𝑥</m:t>
                                     </m:r>
-                                  </m:sup>
-                                </m:sSup>
+                                  </m:sub>
+                                </m:sSub>
                               </m:e>
                               <m:e>
                                 <m:r>
@@ -24658,8 +24634,8 @@
                                 </m:r>
                               </m:e>
                               <m:e>
-                                <m:sSup>
-                                  <m:sSupPr>
+                                <m:sSub>
+                                  <m:sSubPr>
                                     <m:ctrlPr>
                                       <a:rPr lang="en-ZA" sz="2800" i="1" smtClean="0">
                                         <a:solidFill>
@@ -24668,7 +24644,7 @@
                                         <a:latin typeface="Cambria Math" panose="02040503050406030204" pitchFamily="18" charset="0"/>
                                       </a:rPr>
                                     </m:ctrlPr>
-                                  </m:sSupPr>
+                                  </m:sSubPr>
                                   <m:e>
                                     <m:r>
                                       <a:rPr lang="en-ZA" sz="2800" b="0" i="1" smtClean="0">
@@ -24680,7 +24656,7 @@
                                       <m:t>𝑔</m:t>
                                     </m:r>
                                   </m:e>
-                                  <m:sup>
+                                  <m:sub>
                                     <m:r>
                                       <a:rPr lang="en-ZA" sz="2800" b="0" i="1" smtClean="0">
                                         <a:solidFill>
@@ -24688,10 +24664,10 @@
                                         </a:solidFill>
                                         <a:latin typeface="Cambria Math" panose="02040503050406030204" pitchFamily="18" charset="0"/>
                                       </a:rPr>
-                                      <m:t>𝐿</m:t>
+                                      <m:t>𝑦</m:t>
                                     </m:r>
-                                  </m:sup>
-                                </m:sSup>
+                                  </m:sub>
+                                </m:sSub>
                               </m:e>
                             </m:mr>
                           </m:m>
@@ -24754,8 +24730,8 @@
                             </m:mPr>
                             <m:mr>
                               <m:e>
-                                <m:sSup>
-                                  <m:sSupPr>
+                                <m:sSub>
+                                  <m:sSubPr>
                                     <m:ctrlPr>
                                       <a:rPr lang="en-ZA" sz="2800" b="0" i="1" smtClean="0">
                                         <a:solidFill>
@@ -24765,7 +24741,7 @@
                                         <a:ea typeface="Cambria Math" panose="02040503050406030204" pitchFamily="18" charset="0"/>
                                       </a:rPr>
                                     </m:ctrlPr>
-                                  </m:sSupPr>
+                                  </m:sSubPr>
                                   <m:e>
                                     <m:r>
                                       <a:rPr lang="en-ZA" sz="2800" b="0" i="1" smtClean="0">
@@ -24778,7 +24754,7 @@
                                       <m:t>𝑎</m:t>
                                     </m:r>
                                   </m:e>
-                                  <m:sup>
+                                  <m:sub>
                                     <m:r>
                                       <a:rPr lang="en-ZA" sz="2800" b="0" i="1" smtClean="0">
                                         <a:solidFill>
@@ -24787,10 +24763,10 @@
                                         <a:latin typeface="Cambria Math" panose="02040503050406030204" pitchFamily="18" charset="0"/>
                                         <a:ea typeface="Cambria Math" panose="02040503050406030204" pitchFamily="18" charset="0"/>
                                       </a:rPr>
-                                      <m:t>𝑅</m:t>
+                                      <m:t>𝑥</m:t>
                                     </m:r>
-                                  </m:sup>
-                                </m:sSup>
+                                  </m:sub>
+                                </m:sSub>
                                 <m:sSup>
                                   <m:sSupPr>
                                     <m:ctrlPr>
@@ -24816,8 +24792,8 @@
                                     </m:r>
                                   </m:e>
                                   <m:sup>
-                                    <m:sSup>
-                                      <m:sSupPr>
+                                    <m:sSubSup>
+                                      <m:sSubSupPr>
                                         <m:ctrlPr>
                                           <a:rPr lang="en-ZA" sz="2800" b="0" i="1" smtClean="0">
                                             <a:solidFill>
@@ -24827,7 +24803,7 @@
                                             <a:ea typeface="Cambria Math" panose="02040503050406030204" pitchFamily="18" charset="0"/>
                                           </a:rPr>
                                         </m:ctrlPr>
-                                      </m:sSupPr>
+                                      </m:sSubSupPr>
                                       <m:e>
                                         <m:r>
                                           <a:rPr lang="en-ZA" sz="2800" b="0" i="1" smtClean="0">
@@ -24840,7 +24816,7 @@
                                           <m:t>𝑗</m:t>
                                         </m:r>
                                         <m:r>
-                                          <a:rPr lang="en-ZA" sz="2800" b="0" i="1" smtClean="0">
+                                          <a:rPr lang="en-ZA" sz="2800" i="1">
                                             <a:solidFill>
                                               <a:srgbClr val="CC0099"/>
                                             </a:solidFill>
@@ -24850,7 +24826,7 @@
                                           <m:t>𝜙</m:t>
                                         </m:r>
                                       </m:e>
-                                      <m:sup>
+                                      <m:sub>
                                         <m:r>
                                           <a:rPr lang="en-ZA" sz="2800" b="0" i="1" smtClean="0">
                                             <a:solidFill>
@@ -24859,10 +24835,11 @@
                                             <a:latin typeface="Cambria Math" panose="02040503050406030204" pitchFamily="18" charset="0"/>
                                             <a:ea typeface="Cambria Math" panose="02040503050406030204" pitchFamily="18" charset="0"/>
                                           </a:rPr>
-                                          <m:t>𝑅</m:t>
+                                          <m:t>𝑥</m:t>
                                         </m:r>
-                                      </m:sup>
-                                    </m:sSup>
+                                      </m:sub>
+                                      <m:sup/>
+                                    </m:sSubSup>
                                   </m:sup>
                                 </m:sSup>
                               </m:e>
@@ -24893,8 +24870,8 @@
                                 </m:r>
                               </m:e>
                               <m:e>
-                                <m:sSup>
-                                  <m:sSupPr>
+                                <m:sSub>
+                                  <m:sSubPr>
                                     <m:ctrlPr>
                                       <a:rPr lang="en-ZA" sz="2800" i="1">
                                         <a:solidFill>
@@ -24904,7 +24881,7 @@
                                         <a:ea typeface="Cambria Math" panose="02040503050406030204" pitchFamily="18" charset="0"/>
                                       </a:rPr>
                                     </m:ctrlPr>
-                                  </m:sSupPr>
+                                  </m:sSubPr>
                                   <m:e>
                                     <m:r>
                                       <a:rPr lang="en-ZA" sz="2800" i="1">
@@ -24917,7 +24894,7 @@
                                       <m:t>𝑎</m:t>
                                     </m:r>
                                   </m:e>
-                                  <m:sup>
+                                  <m:sub>
                                     <m:r>
                                       <a:rPr lang="en-ZA" sz="2800" b="0" i="1" smtClean="0">
                                         <a:solidFill>
@@ -24926,10 +24903,10 @@
                                         <a:latin typeface="Cambria Math" panose="02040503050406030204" pitchFamily="18" charset="0"/>
                                         <a:ea typeface="Cambria Math" panose="02040503050406030204" pitchFamily="18" charset="0"/>
                                       </a:rPr>
-                                      <m:t>𝐿</m:t>
+                                      <m:t>𝑦</m:t>
                                     </m:r>
-                                  </m:sup>
-                                </m:sSup>
+                                  </m:sub>
+                                </m:sSub>
                                 <m:sSup>
                                   <m:sSupPr>
                                     <m:ctrlPr>
@@ -24955,8 +24932,8 @@
                                     </m:r>
                                   </m:e>
                                   <m:sup>
-                                    <m:sSup>
-                                      <m:sSupPr>
+                                    <m:sSubSup>
+                                      <m:sSubSupPr>
                                         <m:ctrlPr>
                                           <a:rPr lang="en-ZA" sz="2800" i="1">
                                             <a:solidFill>
@@ -24966,7 +24943,7 @@
                                             <a:ea typeface="Cambria Math" panose="02040503050406030204" pitchFamily="18" charset="0"/>
                                           </a:rPr>
                                         </m:ctrlPr>
-                                      </m:sSupPr>
+                                      </m:sSubSupPr>
                                       <m:e>
                                         <m:r>
                                           <a:rPr lang="en-ZA" sz="2800" i="1">
@@ -24989,7 +24966,7 @@
                                           <m:t>𝜙</m:t>
                                         </m:r>
                                       </m:e>
-                                      <m:sup>
+                                      <m:sub>
                                         <m:r>
                                           <a:rPr lang="en-ZA" sz="2800" b="0" i="1" smtClean="0">
                                             <a:solidFill>
@@ -24998,10 +24975,11 @@
                                             <a:latin typeface="Cambria Math" panose="02040503050406030204" pitchFamily="18" charset="0"/>
                                             <a:ea typeface="Cambria Math" panose="02040503050406030204" pitchFamily="18" charset="0"/>
                                           </a:rPr>
-                                          <m:t>𝐿</m:t>
+                                          <m:t>𝑦</m:t>
                                         </m:r>
-                                      </m:sup>
-                                    </m:sSup>
+                                      </m:sub>
+                                      <m:sup/>
+                                    </m:sSubSup>
                                   </m:sup>
                                 </m:sSup>
                               </m:e>
@@ -25017,7 +24995,7 @@
             </p:txBody>
           </p:sp>
         </mc:Choice>
-        <mc:Fallback xmlns="">
+        <mc:Fallback>
           <p:sp>
             <p:nvSpPr>
               <p:cNvPr id="6" name="TextBox 5"/>
@@ -25029,7 +25007,7 @@
             <p:spPr>
               <a:xfrm>
                 <a:off x="4434019" y="3542606"/>
-                <a:ext cx="5697072" cy="958852"/>
+                <a:ext cx="5654368" cy="1165512"/>
               </a:xfrm>
               <a:prstGeom prst="rect">
                 <a:avLst/>
@@ -25056,8 +25034,8 @@
           </p:sp>
         </mc:Fallback>
       </mc:AlternateContent>
-      <mc:AlternateContent xmlns:mc="http://schemas.openxmlformats.org/markup-compatibility/2006" xmlns:a14="http://schemas.microsoft.com/office/drawing/2010/main">
-        <mc:Choice Requires="a14">
+      <mc:AlternateContent xmlns:mc="http://schemas.openxmlformats.org/markup-compatibility/2006">
+        <mc:Choice xmlns:a14="http://schemas.microsoft.com/office/drawing/2010/main" Requires="a14">
           <p:sp>
             <p:nvSpPr>
               <p:cNvPr id="7" name="TextBox 6"/>
@@ -25067,7 +25045,7 @@
             <p:spPr>
               <a:xfrm>
                 <a:off x="4434019" y="4779071"/>
-                <a:ext cx="7432291" cy="1067280"/>
+                <a:ext cx="7478329" cy="1169166"/>
               </a:xfrm>
               <a:prstGeom prst="rect">
                 <a:avLst/>
@@ -25140,8 +25118,8 @@
                             </m:mPr>
                             <m:mr>
                               <m:e>
-                                <m:sSup>
-                                  <m:sSupPr>
+                                <m:sSub>
+                                  <m:sSubPr>
                                     <m:ctrlPr>
                                       <a:rPr lang="en-ZA" sz="2800" i="1" smtClean="0">
                                         <a:solidFill>
@@ -25150,7 +25128,7 @@
                                         <a:latin typeface="Cambria Math" panose="02040503050406030204" pitchFamily="18" charset="0"/>
                                       </a:rPr>
                                     </m:ctrlPr>
-                                  </m:sSupPr>
+                                  </m:sSubPr>
                                   <m:e>
                                     <m:r>
                                       <a:rPr lang="en-ZA" sz="2800" b="0" i="1" smtClean="0">
@@ -25162,7 +25140,7 @@
                                       <m:t>𝐵</m:t>
                                     </m:r>
                                   </m:e>
-                                  <m:sup>
+                                  <m:sub>
                                     <m:r>
                                       <a:rPr lang="en-ZA" sz="2800" b="0" i="1" smtClean="0">
                                         <a:solidFill>
@@ -25170,10 +25148,10 @@
                                         </a:solidFill>
                                         <a:latin typeface="Cambria Math" panose="02040503050406030204" pitchFamily="18" charset="0"/>
                                       </a:rPr>
-                                      <m:t>𝑅</m:t>
+                                      <m:t>𝑥</m:t>
                                     </m:r>
-                                  </m:sup>
-                                </m:sSup>
+                                  </m:sub>
+                                </m:sSub>
                               </m:e>
                               <m:e>
                                 <m:r>
@@ -25200,17 +25178,17 @@
                                 </m:r>
                               </m:e>
                               <m:e>
-                                <m:sSup>
-                                  <m:sSupPr>
+                                <m:sSub>
+                                  <m:sSubPr>
                                     <m:ctrlPr>
-                                      <a:rPr lang="en-ZA" sz="2800" i="1">
+                                      <a:rPr lang="en-ZA" sz="2800" i="1" smtClean="0">
                                         <a:solidFill>
                                           <a:srgbClr val="CC0099"/>
                                         </a:solidFill>
                                         <a:latin typeface="Cambria Math" panose="02040503050406030204" pitchFamily="18" charset="0"/>
                                       </a:rPr>
                                     </m:ctrlPr>
-                                  </m:sSupPr>
+                                  </m:sSubPr>
                                   <m:e>
                                     <m:r>
                                       <a:rPr lang="en-ZA" sz="2800" b="0" i="1" smtClean="0">
@@ -25222,7 +25200,7 @@
                                       <m:t>𝐵</m:t>
                                     </m:r>
                                   </m:e>
-                                  <m:sup>
+                                  <m:sub>
                                     <m:r>
                                       <a:rPr lang="en-ZA" sz="2800" b="0" i="1" smtClean="0">
                                         <a:solidFill>
@@ -25230,10 +25208,10 @@
                                         </a:solidFill>
                                         <a:latin typeface="Cambria Math" panose="02040503050406030204" pitchFamily="18" charset="0"/>
                                       </a:rPr>
-                                      <m:t>𝐿</m:t>
+                                      <m:t>𝑦</m:t>
                                     </m:r>
-                                  </m:sup>
-                                </m:sSup>
+                                  </m:sub>
+                                </m:sSub>
                               </m:e>
                             </m:mr>
                           </m:m>
@@ -25293,10 +25271,77 @@
                             </m:mPr>
                             <m:mr>
                               <m:e>
+                                <m:sSub>
+                                  <m:sSubPr>
+                                    <m:ctrlPr>
+                                      <a:rPr lang="en-ZA" sz="2800" b="0" i="1" smtClean="0">
+                                        <a:solidFill>
+                                          <a:srgbClr val="CC0099"/>
+                                        </a:solidFill>
+                                        <a:latin typeface="Cambria Math" panose="02040503050406030204" pitchFamily="18" charset="0"/>
+                                        <a:ea typeface="Cambria Math" panose="02040503050406030204" pitchFamily="18" charset="0"/>
+                                      </a:rPr>
+                                    </m:ctrlPr>
+                                  </m:sSubPr>
+                                  <m:e>
+                                    <m:r>
+                                      <a:rPr lang="en-ZA" sz="2800" b="0" i="1" smtClean="0">
+                                        <a:solidFill>
+                                          <a:srgbClr val="CC0099"/>
+                                        </a:solidFill>
+                                        <a:latin typeface="Cambria Math" panose="02040503050406030204" pitchFamily="18" charset="0"/>
+                                        <a:ea typeface="Cambria Math" panose="02040503050406030204" pitchFamily="18" charset="0"/>
+                                      </a:rPr>
+                                      <m:t>𝑏</m:t>
+                                    </m:r>
+                                  </m:e>
+                                  <m:sub>
+                                    <m:r>
+                                      <a:rPr lang="en-ZA" sz="2800" b="0" i="1" smtClean="0">
+                                        <a:solidFill>
+                                          <a:srgbClr val="CC0099"/>
+                                        </a:solidFill>
+                                        <a:latin typeface="Cambria Math" panose="02040503050406030204" pitchFamily="18" charset="0"/>
+                                        <a:ea typeface="Cambria Math" panose="02040503050406030204" pitchFamily="18" charset="0"/>
+                                      </a:rPr>
+                                      <m:t>𝑥</m:t>
+                                    </m:r>
+                                  </m:sub>
+                                </m:sSub>
+                                <m:r>
+                                  <a:rPr lang="en-ZA" sz="2800" i="1">
+                                    <a:solidFill>
+                                      <a:srgbClr val="CC0099"/>
+                                    </a:solidFill>
+                                    <a:latin typeface="Cambria Math" panose="02040503050406030204" pitchFamily="18" charset="0"/>
+                                    <a:ea typeface="Cambria Math" panose="02040503050406030204" pitchFamily="18" charset="0"/>
+                                  </a:rPr>
+                                  <m:t>(</m:t>
+                                </m:r>
+                                <m:r>
+                                  <a:rPr lang="en-ZA" sz="2800" i="1">
+                                    <a:solidFill>
+                                      <a:srgbClr val="CC0099"/>
+                                    </a:solidFill>
+                                    <a:latin typeface="Cambria Math" panose="02040503050406030204" pitchFamily="18" charset="0"/>
+                                    <a:ea typeface="Cambria Math" panose="02040503050406030204" pitchFamily="18" charset="0"/>
+                                  </a:rPr>
+                                  <m:t>𝜈</m:t>
+                                </m:r>
+                                <m:r>
+                                  <a:rPr lang="en-ZA" sz="2800" i="1">
+                                    <a:solidFill>
+                                      <a:srgbClr val="CC0099"/>
+                                    </a:solidFill>
+                                    <a:latin typeface="Cambria Math" panose="02040503050406030204" pitchFamily="18" charset="0"/>
+                                    <a:ea typeface="Cambria Math" panose="02040503050406030204" pitchFamily="18" charset="0"/>
+                                  </a:rPr>
+                                  <m:t>)</m:t>
+                                </m:r>
                                 <m:sSup>
                                   <m:sSupPr>
                                     <m:ctrlPr>
-                                      <a:rPr lang="en-ZA" sz="2800" i="1">
+                                      <a:rPr lang="en-ZA" sz="2800" i="1" smtClean="0">
                                         <a:solidFill>
                                           <a:srgbClr val="CC0099"/>
                                         </a:solidFill>
@@ -25314,81 +25359,14 @@
                                         <a:latin typeface="Cambria Math" panose="02040503050406030204" pitchFamily="18" charset="0"/>
                                         <a:ea typeface="Cambria Math" panose="02040503050406030204" pitchFamily="18" charset="0"/>
                                       </a:rPr>
-                                      <m:t>𝑏</m:t>
-                                    </m:r>
-                                  </m:e>
-                                  <m:sup>
-                                    <m:r>
-                                      <a:rPr lang="en-ZA" sz="2800" i="1">
-                                        <a:solidFill>
-                                          <a:srgbClr val="CC0099"/>
-                                        </a:solidFill>
-                                        <a:latin typeface="Cambria Math" panose="02040503050406030204" pitchFamily="18" charset="0"/>
-                                        <a:ea typeface="Cambria Math" panose="02040503050406030204" pitchFamily="18" charset="0"/>
-                                      </a:rPr>
-                                      <m:t>𝑅</m:t>
-                                    </m:r>
-                                  </m:sup>
-                                </m:sSup>
-                                <m:r>
-                                  <a:rPr lang="en-ZA" sz="2800" b="0" i="1" smtClean="0">
-                                    <a:solidFill>
-                                      <a:srgbClr val="CC0099"/>
-                                    </a:solidFill>
-                                    <a:latin typeface="Cambria Math" panose="02040503050406030204" pitchFamily="18" charset="0"/>
-                                    <a:ea typeface="Cambria Math" panose="02040503050406030204" pitchFamily="18" charset="0"/>
-                                  </a:rPr>
-                                  <m:t>(</m:t>
-                                </m:r>
-                                <m:r>
-                                  <a:rPr lang="en-ZA" sz="2800" b="0" i="1" smtClean="0">
-                                    <a:solidFill>
-                                      <a:srgbClr val="CC0099"/>
-                                    </a:solidFill>
-                                    <a:latin typeface="Cambria Math" panose="02040503050406030204" pitchFamily="18" charset="0"/>
-                                    <a:ea typeface="Cambria Math" panose="02040503050406030204" pitchFamily="18" charset="0"/>
-                                  </a:rPr>
-                                  <m:t>𝜈</m:t>
-                                </m:r>
-                                <m:r>
-                                  <a:rPr lang="en-ZA" sz="2800" b="0" i="1" smtClean="0">
-                                    <a:solidFill>
-                                      <a:srgbClr val="CC0099"/>
-                                    </a:solidFill>
-                                    <a:latin typeface="Cambria Math" panose="02040503050406030204" pitchFamily="18" charset="0"/>
-                                    <a:ea typeface="Cambria Math" panose="02040503050406030204" pitchFamily="18" charset="0"/>
-                                  </a:rPr>
-                                  <m:t>)</m:t>
-                                </m:r>
-                                <m:sSup>
-                                  <m:sSupPr>
-                                    <m:ctrlPr>
-                                      <a:rPr lang="en-ZA" sz="2800" i="1">
-                                        <a:solidFill>
-                                          <a:srgbClr val="CC0099"/>
-                                        </a:solidFill>
-                                        <a:latin typeface="Cambria Math" panose="02040503050406030204" pitchFamily="18" charset="0"/>
-                                        <a:ea typeface="Cambria Math" panose="02040503050406030204" pitchFamily="18" charset="0"/>
-                                      </a:rPr>
-                                    </m:ctrlPr>
-                                  </m:sSupPr>
-                                  <m:e>
-                                    <m:r>
-                                      <a:rPr lang="en-ZA" sz="2800" i="1">
-                                        <a:solidFill>
-                                          <a:srgbClr val="CC0099"/>
-                                        </a:solidFill>
-                                        <a:latin typeface="Cambria Math" panose="02040503050406030204" pitchFamily="18" charset="0"/>
-                                        <a:ea typeface="Cambria Math" panose="02040503050406030204" pitchFamily="18" charset="0"/>
-                                      </a:rPr>
                                       <m:t>𝑒</m:t>
                                     </m:r>
                                   </m:e>
                                   <m:sup>
-                                    <m:sSup>
-                                      <m:sSupPr>
+                                    <m:sSubSup>
+                                      <m:sSubSupPr>
                                         <m:ctrlPr>
-                                          <a:rPr lang="en-ZA" sz="2800" i="1">
+                                          <a:rPr lang="en-ZA" sz="2800" i="1" smtClean="0">
                                             <a:solidFill>
                                               <a:srgbClr val="CC0099"/>
                                             </a:solidFill>
@@ -25396,10 +25374,10 @@
                                             <a:ea typeface="Cambria Math" panose="02040503050406030204" pitchFamily="18" charset="0"/>
                                           </a:rPr>
                                         </m:ctrlPr>
-                                      </m:sSupPr>
+                                      </m:sSubSupPr>
                                       <m:e>
                                         <m:r>
-                                          <a:rPr lang="en-ZA" sz="2800" i="1">
+                                          <a:rPr lang="en-ZA" sz="2800" b="0" i="1" smtClean="0">
                                             <a:solidFill>
                                               <a:srgbClr val="CC0099"/>
                                             </a:solidFill>
@@ -25409,7 +25387,7 @@
                                           <m:t>𝑗</m:t>
                                         </m:r>
                                         <m:r>
-                                          <a:rPr lang="en-ZA" sz="2800" i="1" smtClean="0">
+                                          <a:rPr lang="en-ZA" sz="2800" i="1">
                                             <a:solidFill>
                                               <a:srgbClr val="CC0099"/>
                                             </a:solidFill>
@@ -25419,21 +25397,22 @@
                                           <m:t>𝜓</m:t>
                                         </m:r>
                                       </m:e>
-                                      <m:sup>
+                                      <m:sub>
                                         <m:r>
-                                          <a:rPr lang="en-ZA" sz="2800" i="1">
+                                          <a:rPr lang="en-ZA" sz="2800" b="0" i="1" smtClean="0">
                                             <a:solidFill>
                                               <a:srgbClr val="CC0099"/>
                                             </a:solidFill>
                                             <a:latin typeface="Cambria Math" panose="02040503050406030204" pitchFamily="18" charset="0"/>
                                             <a:ea typeface="Cambria Math" panose="02040503050406030204" pitchFamily="18" charset="0"/>
                                           </a:rPr>
-                                          <m:t>𝑅</m:t>
+                                          <m:t>𝑥</m:t>
                                         </m:r>
-                                      </m:sup>
-                                    </m:sSup>
+                                      </m:sub>
+                                      <m:sup/>
+                                    </m:sSubSup>
                                     <m:r>
-                                      <a:rPr lang="en-ZA" sz="2800" b="0" i="1" smtClean="0">
+                                      <a:rPr lang="en-ZA" sz="2800" i="1">
                                         <a:solidFill>
                                           <a:srgbClr val="CC0099"/>
                                         </a:solidFill>
@@ -25443,7 +25422,7 @@
                                       <m:t>(</m:t>
                                     </m:r>
                                     <m:r>
-                                      <a:rPr lang="en-ZA" sz="2800" b="0" i="1" smtClean="0">
+                                      <a:rPr lang="en-ZA" sz="2800" i="1">
                                         <a:solidFill>
                                           <a:srgbClr val="CC0099"/>
                                         </a:solidFill>
@@ -25453,7 +25432,7 @@
                                       <m:t>𝜈</m:t>
                                     </m:r>
                                     <m:r>
-                                      <a:rPr lang="en-ZA" sz="2800" b="0" i="1" smtClean="0">
+                                      <a:rPr lang="en-ZA" sz="2800" i="1">
                                         <a:solidFill>
                                           <a:srgbClr val="CC0099"/>
                                         </a:solidFill>
@@ -25492,8 +25471,8 @@
                                 </m:r>
                               </m:e>
                               <m:e>
-                                <m:sSup>
-                                  <m:sSupPr>
+                                <m:sSub>
+                                  <m:sSubPr>
                                     <m:ctrlPr>
                                       <a:rPr lang="en-ZA" sz="2800" i="1">
                                         <a:solidFill>
@@ -25503,10 +25482,10 @@
                                         <a:ea typeface="Cambria Math" panose="02040503050406030204" pitchFamily="18" charset="0"/>
                                       </a:rPr>
                                     </m:ctrlPr>
-                                  </m:sSupPr>
+                                  </m:sSubPr>
                                   <m:e>
                                     <m:r>
-                                      <a:rPr lang="en-ZA" sz="2800" b="0" i="1" smtClean="0">
+                                      <a:rPr lang="en-ZA" sz="2800" i="1">
                                         <a:solidFill>
                                           <a:srgbClr val="CC0099"/>
                                         </a:solidFill>
@@ -25516,21 +25495,21 @@
                                       <m:t>𝑏</m:t>
                                     </m:r>
                                   </m:e>
-                                  <m:sup>
+                                  <m:sub>
                                     <m:r>
-                                      <a:rPr lang="en-ZA" sz="2800" i="1">
+                                      <a:rPr lang="en-ZA" sz="2800" b="0" i="1" smtClean="0">
                                         <a:solidFill>
                                           <a:srgbClr val="CC0099"/>
                                         </a:solidFill>
                                         <a:latin typeface="Cambria Math" panose="02040503050406030204" pitchFamily="18" charset="0"/>
                                         <a:ea typeface="Cambria Math" panose="02040503050406030204" pitchFamily="18" charset="0"/>
                                       </a:rPr>
-                                      <m:t>𝐿</m:t>
+                                      <m:t>𝑦</m:t>
                                     </m:r>
-                                  </m:sup>
-                                </m:sSup>
+                                  </m:sub>
+                                </m:sSub>
                                 <m:r>
-                                  <a:rPr lang="en-ZA" sz="2800" b="0" i="1" smtClean="0">
+                                  <a:rPr lang="en-ZA" sz="2800" i="1">
                                     <a:solidFill>
                                       <a:srgbClr val="CC0099"/>
                                     </a:solidFill>
@@ -25540,7 +25519,7 @@
                                   <m:t>(</m:t>
                                 </m:r>
                                 <m:r>
-                                  <a:rPr lang="en-ZA" sz="2800" b="0" i="1" smtClean="0">
+                                  <a:rPr lang="en-ZA" sz="2800" i="1">
                                     <a:solidFill>
                                       <a:srgbClr val="CC0099"/>
                                     </a:solidFill>
@@ -25550,7 +25529,7 @@
                                   <m:t>𝜈</m:t>
                                 </m:r>
                                 <m:r>
-                                  <a:rPr lang="en-ZA" sz="2800" b="0" i="1" smtClean="0">
+                                  <a:rPr lang="en-ZA" sz="2800" i="1">
                                     <a:solidFill>
                                       <a:srgbClr val="CC0099"/>
                                     </a:solidFill>
@@ -25584,10 +25563,10 @@
                                     </m:r>
                                   </m:e>
                                   <m:sup>
-                                    <m:sSup>
-                                      <m:sSupPr>
+                                    <m:sSubSup>
+                                      <m:sSubSupPr>
                                         <m:ctrlPr>
-                                          <a:rPr lang="en-ZA" sz="2800" i="1" smtClean="0">
+                                          <a:rPr lang="en-ZA" sz="2800" i="1">
                                             <a:solidFill>
                                               <a:srgbClr val="CC0099"/>
                                             </a:solidFill>
@@ -25595,10 +25574,10 @@
                                             <a:ea typeface="Cambria Math" panose="02040503050406030204" pitchFamily="18" charset="0"/>
                                           </a:rPr>
                                         </m:ctrlPr>
-                                      </m:sSupPr>
+                                      </m:sSubSupPr>
                                       <m:e>
                                         <m:r>
-                                          <a:rPr lang="en-ZA" sz="2800" b="0" i="1" smtClean="0">
+                                          <a:rPr lang="en-ZA" sz="2800" i="1">
                                             <a:solidFill>
                                               <a:srgbClr val="CC0099"/>
                                             </a:solidFill>
@@ -25608,7 +25587,7 @@
                                           <m:t>𝑗</m:t>
                                         </m:r>
                                         <m:r>
-                                          <a:rPr lang="en-ZA" sz="2800" b="0" i="1" smtClean="0">
+                                          <a:rPr lang="en-ZA" sz="2800" i="1">
                                             <a:solidFill>
                                               <a:srgbClr val="CC0099"/>
                                             </a:solidFill>
@@ -25618,7 +25597,7 @@
                                           <m:t>𝜓</m:t>
                                         </m:r>
                                       </m:e>
-                                      <m:sup>
+                                      <m:sub>
                                         <m:r>
                                           <a:rPr lang="en-ZA" sz="2800" b="0" i="1" smtClean="0">
                                             <a:solidFill>
@@ -25627,12 +25606,13 @@
                                             <a:latin typeface="Cambria Math" panose="02040503050406030204" pitchFamily="18" charset="0"/>
                                             <a:ea typeface="Cambria Math" panose="02040503050406030204" pitchFamily="18" charset="0"/>
                                           </a:rPr>
-                                          <m:t>𝐿</m:t>
+                                          <m:t>𝑦</m:t>
                                         </m:r>
-                                      </m:sup>
-                                    </m:sSup>
+                                      </m:sub>
+                                      <m:sup/>
+                                    </m:sSubSup>
                                     <m:r>
-                                      <a:rPr lang="en-ZA" sz="2800" b="0" i="1" smtClean="0">
+                                      <a:rPr lang="en-ZA" sz="2800" i="1">
                                         <a:solidFill>
                                           <a:srgbClr val="CC0099"/>
                                         </a:solidFill>
@@ -25642,7 +25622,7 @@
                                       <m:t>(</m:t>
                                     </m:r>
                                     <m:r>
-                                      <a:rPr lang="en-ZA" sz="2800" b="0" i="1" smtClean="0">
+                                      <a:rPr lang="en-ZA" sz="2800" i="1">
                                         <a:solidFill>
                                           <a:srgbClr val="CC0099"/>
                                         </a:solidFill>
@@ -25652,7 +25632,7 @@
                                       <m:t>𝜈</m:t>
                                     </m:r>
                                     <m:r>
-                                      <a:rPr lang="en-ZA" sz="2800" b="0" i="1" smtClean="0">
+                                      <a:rPr lang="en-ZA" sz="2800" i="1">
                                         <a:solidFill>
                                           <a:srgbClr val="CC0099"/>
                                         </a:solidFill>
@@ -25676,7 +25656,7 @@
             </p:txBody>
           </p:sp>
         </mc:Choice>
-        <mc:Fallback xmlns="">
+        <mc:Fallback>
           <p:sp>
             <p:nvSpPr>
               <p:cNvPr id="7" name="TextBox 6"/>
@@ -25688,7 +25668,7 @@
             <p:spPr>
               <a:xfrm>
                 <a:off x="4434019" y="4779071"/>
-                <a:ext cx="7432291" cy="1067280"/>
+                <a:ext cx="7478329" cy="1169166"/>
               </a:xfrm>
               <a:prstGeom prst="rect">
                 <a:avLst/>
@@ -25779,8 +25759,8 @@
           </a:p>
         </p:txBody>
       </p:sp>
-      <mc:AlternateContent xmlns:mc="http://schemas.openxmlformats.org/markup-compatibility/2006" xmlns:a14="http://schemas.microsoft.com/office/drawing/2010/main">
-        <mc:Choice Requires="a14">
+      <mc:AlternateContent xmlns:mc="http://schemas.openxmlformats.org/markup-compatibility/2006">
+        <mc:Choice xmlns:a14="http://schemas.microsoft.com/office/drawing/2010/main" Requires="a14">
           <p:sp>
             <p:nvSpPr>
               <p:cNvPr id="13" name="TextBox 12"/>
@@ -25790,7 +25770,7 @@
             <p:spPr>
               <a:xfrm>
                 <a:off x="1599011" y="1481232"/>
-                <a:ext cx="3465693" cy="866391"/>
+                <a:ext cx="3419719" cy="890180"/>
               </a:xfrm>
               <a:prstGeom prst="rect">
                 <a:avLst/>
@@ -25887,8 +25867,8 @@
                           </m:mPr>
                           <m:mr>
                             <m:e>
-                              <m:sSup>
-                                <m:sSupPr>
+                              <m:sSub>
+                                <m:sSubPr>
                                   <m:ctrlPr>
                                     <a:rPr lang="en-ZA" sz="2800" b="0" i="1" smtClean="0">
                                       <a:solidFill>
@@ -25897,7 +25877,7 @@
                                       <a:latin typeface="Cambria Math" panose="02040503050406030204" pitchFamily="18" charset="0"/>
                                     </a:rPr>
                                   </m:ctrlPr>
-                                </m:sSupPr>
+                                </m:sSubPr>
                                 <m:e>
                                   <m:r>
                                     <a:rPr lang="en-ZA" sz="2800" b="0" i="1" smtClean="0">
@@ -25909,7 +25889,7 @@
                                     <m:t>𝐺</m:t>
                                   </m:r>
                                 </m:e>
-                                <m:sup>
+                                <m:sub>
                                   <m:r>
                                     <a:rPr lang="en-ZA" sz="2800" b="0" i="1" smtClean="0">
                                       <a:solidFill>
@@ -25917,10 +25897,10 @@
                                       </a:solidFill>
                                       <a:latin typeface="Cambria Math" panose="02040503050406030204" pitchFamily="18" charset="0"/>
                                     </a:rPr>
-                                    <m:t>𝑅</m:t>
+                                    <m:t>𝑋</m:t>
                                   </m:r>
-                                </m:sup>
-                              </m:sSup>
+                                </m:sub>
+                              </m:sSub>
                             </m:e>
                             <m:e>
                               <m:r>
@@ -25947,8 +25927,8 @@
                               </m:r>
                             </m:e>
                             <m:e>
-                              <m:sSup>
-                                <m:sSupPr>
+                              <m:sSub>
+                                <m:sSubPr>
                                   <m:ctrlPr>
                                     <a:rPr lang="en-ZA" sz="2800" b="0" i="1" smtClean="0">
                                       <a:solidFill>
@@ -25957,7 +25937,7 @@
                                       <a:latin typeface="Cambria Math" panose="02040503050406030204" pitchFamily="18" charset="0"/>
                                     </a:rPr>
                                   </m:ctrlPr>
-                                </m:sSupPr>
+                                </m:sSubPr>
                                 <m:e>
                                   <m:r>
                                     <a:rPr lang="en-ZA" sz="2800" b="0" i="1" smtClean="0">
@@ -25969,7 +25949,7 @@
                                     <m:t>𝐺</m:t>
                                   </m:r>
                                 </m:e>
-                                <m:sup>
+                                <m:sub>
                                   <m:r>
                                     <a:rPr lang="en-ZA" sz="2800" b="0" i="1" smtClean="0">
                                       <a:solidFill>
@@ -25977,10 +25957,10 @@
                                       </a:solidFill>
                                       <a:latin typeface="Cambria Math" panose="02040503050406030204" pitchFamily="18" charset="0"/>
                                     </a:rPr>
-                                    <m:t>𝐿</m:t>
+                                    <m:t>𝑌</m:t>
                                   </m:r>
-                                </m:sup>
-                              </m:sSup>
+                                </m:sub>
+                              </m:sSub>
                             </m:e>
                           </m:mr>
                         </m:m>
@@ -25999,7 +25979,7 @@
             </p:txBody>
           </p:sp>
         </mc:Choice>
-        <mc:Fallback xmlns="">
+        <mc:Fallback>
           <p:sp>
             <p:nvSpPr>
               <p:cNvPr id="13" name="TextBox 12"/>
@@ -26011,7 +25991,7 @@
             <p:spPr>
               <a:xfrm>
                 <a:off x="1599011" y="1481232"/>
-                <a:ext cx="3465693" cy="866391"/>
+                <a:ext cx="3419719" cy="890180"/>
               </a:xfrm>
               <a:prstGeom prst="rect">
                 <a:avLst/>

--- a/lectures/calibration/RIME.pptx
+++ b/lectures/calibration/RIME.pptx
@@ -230,7 +230,7 @@
           <a:p>
             <a:fld id="{060D4ACE-8B20-468F-8955-24BBE7436EBB}" type="datetimeFigureOut">
               <a:rPr lang="en-ZA" smtClean="0"/>
-              <a:t>2015-02-16</a:t>
+              <a:t>2015-02-17</a:t>
             </a:fld>
             <a:endParaRPr lang="en-ZA"/>
           </a:p>
@@ -713,7 +713,7 @@
           <a:p>
             <a:fld id="{1F4B6AF5-CCD7-408C-80B0-463A370B3F5B}" type="datetime1">
               <a:rPr lang="en-ZA" smtClean="0"/>
-              <a:t>2015-02-16</a:t>
+              <a:t>2015-02-17</a:t>
             </a:fld>
             <a:endParaRPr lang="en-ZA" dirty="0"/>
           </a:p>
@@ -883,7 +883,7 @@
           <a:p>
             <a:fld id="{35CE9BBF-5ECE-4A35-9C07-59554C745B5A}" type="datetime1">
               <a:rPr lang="en-ZA" smtClean="0"/>
-              <a:t>2015-02-16</a:t>
+              <a:t>2015-02-17</a:t>
             </a:fld>
             <a:endParaRPr lang="en-ZA" dirty="0"/>
           </a:p>
@@ -1063,7 +1063,7 @@
           <a:p>
             <a:fld id="{1D2D3F0E-C751-4BAF-BDE7-B734785B67B6}" type="datetime1">
               <a:rPr lang="en-ZA" smtClean="0"/>
-              <a:t>2015-02-16</a:t>
+              <a:t>2015-02-17</a:t>
             </a:fld>
             <a:endParaRPr lang="en-ZA" dirty="0"/>
           </a:p>
@@ -1233,7 +1233,7 @@
           <a:p>
             <a:fld id="{4B98016C-D412-48FC-8531-9026B85540EE}" type="datetime1">
               <a:rPr lang="en-ZA" smtClean="0"/>
-              <a:t>2015-02-16</a:t>
+              <a:t>2015-02-17</a:t>
             </a:fld>
             <a:endParaRPr lang="en-ZA" dirty="0"/>
           </a:p>
@@ -1479,7 +1479,7 @@
           <a:p>
             <a:fld id="{26955D44-EC9E-46BF-94FF-36477CF446DE}" type="datetime1">
               <a:rPr lang="en-ZA" smtClean="0"/>
-              <a:t>2015-02-16</a:t>
+              <a:t>2015-02-17</a:t>
             </a:fld>
             <a:endParaRPr lang="en-ZA" dirty="0"/>
           </a:p>
@@ -1711,7 +1711,7 @@
           <a:p>
             <a:fld id="{DD5E773F-D191-42DB-B2E7-6078CDDCE24C}" type="datetime1">
               <a:rPr lang="en-ZA" smtClean="0"/>
-              <a:t>2015-02-16</a:t>
+              <a:t>2015-02-17</a:t>
             </a:fld>
             <a:endParaRPr lang="en-ZA" dirty="0"/>
           </a:p>
@@ -2078,7 +2078,7 @@
           <a:p>
             <a:fld id="{D7C58864-0AFD-49FF-9276-F39B0E50466E}" type="datetime1">
               <a:rPr lang="en-ZA" smtClean="0"/>
-              <a:t>2015-02-16</a:t>
+              <a:t>2015-02-17</a:t>
             </a:fld>
             <a:endParaRPr lang="en-ZA" dirty="0"/>
           </a:p>
@@ -2196,7 +2196,7 @@
           <a:p>
             <a:fld id="{00CE9BC6-A284-4DCC-9FCC-0C87D9E9D9C6}" type="datetime1">
               <a:rPr lang="en-ZA" smtClean="0"/>
-              <a:t>2015-02-16</a:t>
+              <a:t>2015-02-17</a:t>
             </a:fld>
             <a:endParaRPr lang="en-ZA" dirty="0"/>
           </a:p>
@@ -2291,7 +2291,7 @@
           <a:p>
             <a:fld id="{A811D639-3AFF-4303-AB5E-E56F2D064920}" type="datetime1">
               <a:rPr lang="en-ZA" smtClean="0"/>
-              <a:t>2015-02-16</a:t>
+              <a:t>2015-02-17</a:t>
             </a:fld>
             <a:endParaRPr lang="en-ZA" dirty="0"/>
           </a:p>
@@ -2568,7 +2568,7 @@
           <a:p>
             <a:fld id="{93CBF302-2921-43B5-9976-4A708FCE88C9}" type="datetime1">
               <a:rPr lang="en-ZA" smtClean="0"/>
-              <a:t>2015-02-16</a:t>
+              <a:t>2015-02-17</a:t>
             </a:fld>
             <a:endParaRPr lang="en-ZA" dirty="0"/>
           </a:p>
@@ -2821,7 +2821,7 @@
           <a:p>
             <a:fld id="{BA9AE4CD-C664-4A63-8F45-CB5CB45D8E8B}" type="datetime1">
               <a:rPr lang="en-ZA" smtClean="0"/>
-              <a:t>2015-02-16</a:t>
+              <a:t>2015-02-17</a:t>
             </a:fld>
             <a:endParaRPr lang="en-ZA" dirty="0"/>
           </a:p>
@@ -3034,7 +3034,7 @@
           <a:p>
             <a:fld id="{25E71660-646B-4219-80AD-CE495AC3A9F6}" type="datetime1">
               <a:rPr lang="en-ZA" smtClean="0"/>
-              <a:t>2015-02-16</a:t>
+              <a:t>2015-02-17</a:t>
             </a:fld>
             <a:endParaRPr lang="en-ZA" dirty="0"/>
           </a:p>
@@ -3773,8 +3773,8 @@
           </a:p>
         </p:txBody>
       </p:sp>
-      <mc:AlternateContent xmlns:mc="http://schemas.openxmlformats.org/markup-compatibility/2006" xmlns:a14="http://schemas.microsoft.com/office/drawing/2010/main">
-        <mc:Choice Requires="a14">
+      <mc:AlternateContent xmlns:mc="http://schemas.openxmlformats.org/markup-compatibility/2006">
+        <mc:Choice xmlns:a14="http://schemas.microsoft.com/office/drawing/2010/main" Requires="a14">
           <p:sp>
             <p:nvSpPr>
               <p:cNvPr id="5" name="TextBox 4"/>
@@ -3784,7 +3784,7 @@
             <p:spPr>
               <a:xfrm>
                 <a:off x="1564314" y="5060537"/>
-                <a:ext cx="9286838" cy="881780"/>
+                <a:ext cx="9314794" cy="995978"/>
               </a:xfrm>
               <a:prstGeom prst="rect">
                 <a:avLst/>
@@ -4415,8 +4415,8 @@
                                     </m:sSub>
                                   </m:e>
                                   <m:e>
-                                    <m:sSub>
-                                      <m:sSubPr>
+                                    <m:sSubSup>
+                                      <m:sSubSupPr>
                                         <m:ctrlPr>
                                           <a:rPr lang="en-ZA" sz="2800" b="0" i="1" smtClean="0">
                                             <a:solidFill>
@@ -4425,7 +4425,65 @@
                                             <a:latin typeface="Cambria Math" panose="02040503050406030204" pitchFamily="18" charset="0"/>
                                           </a:rPr>
                                         </m:ctrlPr>
-                                      </m:sSubPr>
+                                      </m:sSubSupPr>
+                                      <m:e>
+                                        <m:r>
+                                          <a:rPr lang="en-ZA" sz="2800" b="0" i="1" smtClean="0">
+                                            <a:solidFill>
+                                              <a:srgbClr val="0000FF"/>
+                                            </a:solidFill>
+                                            <a:latin typeface="Cambria Math" panose="02040503050406030204" pitchFamily="18" charset="0"/>
+                                          </a:rPr>
+                                          <m:t>𝑗</m:t>
+                                        </m:r>
+                                      </m:e>
+                                      <m:sub>
+                                        <m:r>
+                                          <a:rPr lang="en-ZA" sz="2800" b="0" i="1" smtClean="0">
+                                            <a:solidFill>
+                                              <a:srgbClr val="0000FF"/>
+                                            </a:solidFill>
+                                            <a:latin typeface="Cambria Math" panose="02040503050406030204" pitchFamily="18" charset="0"/>
+                                          </a:rPr>
+                                          <m:t>21</m:t>
+                                        </m:r>
+                                        <m:r>
+                                          <a:rPr lang="en-ZA" sz="2800" b="0" i="1" smtClean="0">
+                                            <a:solidFill>
+                                              <a:srgbClr val="0000FF"/>
+                                            </a:solidFill>
+                                            <a:latin typeface="Cambria Math" panose="02040503050406030204" pitchFamily="18" charset="0"/>
+                                          </a:rPr>
+                                          <m:t>𝑏</m:t>
+                                        </m:r>
+                                      </m:sub>
+                                      <m:sup>
+                                        <m:r>
+                                          <a:rPr lang="en-ZA" sz="2800" b="0" i="1" smtClean="0">
+                                            <a:solidFill>
+                                              <a:srgbClr val="0000FF"/>
+                                            </a:solidFill>
+                                            <a:latin typeface="Cambria Math" panose="02040503050406030204" pitchFamily="18" charset="0"/>
+                                          </a:rPr>
+                                          <m:t>∗</m:t>
+                                        </m:r>
+                                      </m:sup>
+                                    </m:sSubSup>
+                                  </m:e>
+                                </m:mr>
+                                <m:mr>
+                                  <m:e>
+                                    <m:sSubSup>
+                                      <m:sSubSupPr>
+                                        <m:ctrlPr>
+                                          <a:rPr lang="en-ZA" sz="2800" b="0" i="1" smtClean="0">
+                                            <a:solidFill>
+                                              <a:srgbClr val="0000FF"/>
+                                            </a:solidFill>
+                                            <a:latin typeface="Cambria Math" panose="02040503050406030204" pitchFamily="18" charset="0"/>
+                                          </a:rPr>
+                                        </m:ctrlPr>
+                                      </m:sSubSupPr>
                                       <m:e>
                                         <m:r>
                                           <a:rPr lang="en-ZA" sz="2800" b="0" i="1" smtClean="0">
@@ -4457,23 +4515,7 @@
                                           <m:t>𝑏</m:t>
                                         </m:r>
                                       </m:sub>
-                                    </m:sSub>
-                                  </m:e>
-                                </m:mr>
-                                <m:mr>
-                                  <m:e>
-                                    <m:sSub>
-                                      <m:sSubPr>
-                                        <m:ctrlPr>
-                                          <a:rPr lang="en-ZA" sz="2800" b="0" i="1" smtClean="0">
-                                            <a:solidFill>
-                                              <a:srgbClr val="0000FF"/>
-                                            </a:solidFill>
-                                            <a:latin typeface="Cambria Math" panose="02040503050406030204" pitchFamily="18" charset="0"/>
-                                          </a:rPr>
-                                        </m:ctrlPr>
-                                      </m:sSubPr>
-                                      <m:e>
+                                      <m:sup>
                                         <m:r>
                                           <a:rPr lang="en-ZA" sz="2800" b="0" i="1" smtClean="0">
                                             <a:solidFill>
@@ -4481,30 +4523,10 @@
                                             </a:solidFill>
                                             <a:latin typeface="Cambria Math" panose="02040503050406030204" pitchFamily="18" charset="0"/>
                                           </a:rPr>
-                                          <m:t>𝑗</m:t>
+                                          <m:t>∗</m:t>
                                         </m:r>
-                                      </m:e>
-                                      <m:sub>
-                                        <m:r>
-                                          <a:rPr lang="en-ZA" sz="2800" b="0" i="1" smtClean="0">
-                                            <a:solidFill>
-                                              <a:srgbClr val="0000FF"/>
-                                            </a:solidFill>
-                                            <a:latin typeface="Cambria Math" panose="02040503050406030204" pitchFamily="18" charset="0"/>
-                                          </a:rPr>
-                                          <m:t>21</m:t>
-                                        </m:r>
-                                        <m:r>
-                                          <a:rPr lang="en-ZA" sz="2800" b="0" i="1" smtClean="0">
-                                            <a:solidFill>
-                                              <a:srgbClr val="0000FF"/>
-                                            </a:solidFill>
-                                            <a:latin typeface="Cambria Math" panose="02040503050406030204" pitchFamily="18" charset="0"/>
-                                          </a:rPr>
-                                          <m:t>𝑏</m:t>
-                                        </m:r>
-                                      </m:sub>
-                                    </m:sSub>
+                                      </m:sup>
+                                    </m:sSubSup>
                                   </m:e>
                                   <m:e>
                                     <m:sSub>
@@ -4556,17 +4578,7 @@
                             </m:e>
                           </m:d>
                         </m:e>
-                        <m:sup>
-                          <m:r>
-                            <a:rPr lang="en-ZA" sz="2800" b="0" i="1" smtClean="0">
-                              <a:solidFill>
-                                <a:srgbClr val="0000FF"/>
-                              </a:solidFill>
-                              <a:latin typeface="Cambria Math" panose="02040503050406030204" pitchFamily="18" charset="0"/>
-                            </a:rPr>
-                            <m:t>𝐻</m:t>
-                          </m:r>
-                        </m:sup>
+                        <m:sup/>
                       </m:sSup>
                     </m:oMath>
                   </m:oMathPara>
@@ -4576,7 +4588,7 @@
             </p:txBody>
           </p:sp>
         </mc:Choice>
-        <mc:Fallback xmlns="">
+        <mc:Fallback>
           <p:sp>
             <p:nvSpPr>
               <p:cNvPr id="5" name="TextBox 4"/>
@@ -4588,7 +4600,7 @@
             <p:spPr>
               <a:xfrm>
                 <a:off x="1564314" y="5060537"/>
-                <a:ext cx="9286838" cy="881780"/>
+                <a:ext cx="9314794" cy="995978"/>
               </a:xfrm>
               <a:prstGeom prst="rect">
                 <a:avLst/>
@@ -15945,8 +15957,8 @@
         </p:blipFill>
         <p:spPr>
           <a:xfrm>
-            <a:off x="5701444" y="1787328"/>
-            <a:ext cx="1891559" cy="1891559"/>
+            <a:off x="8090641" y="1795576"/>
+            <a:ext cx="1891559" cy="1866137"/>
           </a:xfrm>
           <a:prstGeom prst="rect">
             <a:avLst/>
@@ -15975,7 +15987,7 @@
         </p:blipFill>
         <p:spPr>
           <a:xfrm>
-            <a:off x="8116064" y="1787328"/>
+            <a:off x="5726867" y="1795576"/>
             <a:ext cx="1866136" cy="1866136"/>
           </a:xfrm>
           <a:prstGeom prst="rect">
@@ -16494,7 +16506,7 @@
         </p:blipFill>
         <p:spPr>
           <a:xfrm>
-            <a:off x="2063028" y="2908155"/>
+            <a:off x="5123150" y="2908152"/>
             <a:ext cx="2143125" cy="2143125"/>
           </a:xfrm>
           <a:prstGeom prst="rect">
@@ -16524,7 +16536,7 @@
         </p:blipFill>
         <p:spPr>
           <a:xfrm>
-            <a:off x="5123150" y="2908153"/>
+            <a:off x="2063027" y="2908152"/>
             <a:ext cx="2143125" cy="2143125"/>
           </a:xfrm>
           <a:prstGeom prst="rect">
@@ -17575,8 +17587,8 @@
           </p:sp>
         </mc:Fallback>
       </mc:AlternateContent>
-      <mc:AlternateContent xmlns:mc="http://schemas.openxmlformats.org/markup-compatibility/2006">
-        <mc:Choice xmlns:a14="http://schemas.microsoft.com/office/drawing/2010/main" Requires="a14">
+      <mc:AlternateContent xmlns:mc="http://schemas.openxmlformats.org/markup-compatibility/2006" xmlns:a14="http://schemas.microsoft.com/office/drawing/2010/main">
+        <mc:Choice Requires="a14">
           <p:sp>
             <p:nvSpPr>
               <p:cNvPr id="4" name="TextBox 3"/>
@@ -17798,7 +17810,7 @@
             </p:txBody>
           </p:sp>
         </mc:Choice>
-        <mc:Fallback>
+        <mc:Fallback xmlns="">
           <p:sp>
             <p:nvSpPr>
               <p:cNvPr id="4" name="TextBox 3"/>
@@ -17837,8 +17849,8 @@
           </p:sp>
         </mc:Fallback>
       </mc:AlternateContent>
-      <mc:AlternateContent xmlns:mc="http://schemas.openxmlformats.org/markup-compatibility/2006">
-        <mc:Choice xmlns:a14="http://schemas.microsoft.com/office/drawing/2010/main" Requires="a14">
+      <mc:AlternateContent xmlns:mc="http://schemas.openxmlformats.org/markup-compatibility/2006" xmlns:a14="http://schemas.microsoft.com/office/drawing/2010/main">
+        <mc:Choice Requires="a14">
           <p:sp>
             <p:nvSpPr>
               <p:cNvPr id="6" name="TextBox 5"/>
@@ -18057,7 +18069,7 @@
             </p:txBody>
           </p:sp>
         </mc:Choice>
-        <mc:Fallback>
+        <mc:Fallback xmlns="">
           <p:sp>
             <p:nvSpPr>
               <p:cNvPr id="6" name="TextBox 5"/>
@@ -20571,8 +20583,8 @@
           </a:p>
         </p:txBody>
       </p:sp>
-      <mc:AlternateContent xmlns:mc="http://schemas.openxmlformats.org/markup-compatibility/2006">
-        <mc:Choice xmlns:a14="http://schemas.microsoft.com/office/drawing/2010/main" Requires="a14">
+      <mc:AlternateContent xmlns:mc="http://schemas.openxmlformats.org/markup-compatibility/2006" xmlns:a14="http://schemas.microsoft.com/office/drawing/2010/main">
+        <mc:Choice Requires="a14">
           <p:sp>
             <p:nvSpPr>
               <p:cNvPr id="13" name="TextBox 12"/>
@@ -20794,7 +20806,7 @@
             </p:txBody>
           </p:sp>
         </mc:Choice>
-        <mc:Fallback>
+        <mc:Fallback xmlns="">
           <p:sp>
             <p:nvSpPr>
               <p:cNvPr id="13" name="TextBox 12"/>
@@ -20833,8 +20845,8 @@
           </p:sp>
         </mc:Fallback>
       </mc:AlternateContent>
-      <mc:AlternateContent xmlns:mc="http://schemas.openxmlformats.org/markup-compatibility/2006">
-        <mc:Choice xmlns:a14="http://schemas.microsoft.com/office/drawing/2010/main" Requires="a14">
+      <mc:AlternateContent xmlns:mc="http://schemas.openxmlformats.org/markup-compatibility/2006" xmlns:a14="http://schemas.microsoft.com/office/drawing/2010/main">
+        <mc:Choice Requires="a14">
           <p:sp>
             <p:nvSpPr>
               <p:cNvPr id="14" name="TextBox 13"/>
@@ -21030,7 +21042,7 @@
             </p:txBody>
           </p:sp>
         </mc:Choice>
-        <mc:Fallback>
+        <mc:Fallback xmlns="">
           <p:sp>
             <p:nvSpPr>
               <p:cNvPr id="14" name="TextBox 13"/>
@@ -24503,7 +24515,7 @@
             </p:nvSpPr>
             <p:spPr>
               <a:xfrm>
-                <a:off x="4434019" y="3542606"/>
+                <a:off x="4623489" y="3439276"/>
                 <a:ext cx="5654368" cy="1165512"/>
               </a:xfrm>
               <a:prstGeom prst="rect">
@@ -25006,7 +25018,7 @@
             </p:nvSpPr>
             <p:spPr>
               <a:xfrm>
-                <a:off x="4434019" y="3542606"/>
+                <a:off x="4623489" y="3439276"/>
                 <a:ext cx="5654368" cy="1165512"/>
               </a:xfrm>
               <a:prstGeom prst="rect">
@@ -25044,7 +25056,7 @@
             </p:nvSpPr>
             <p:spPr>
               <a:xfrm>
-                <a:off x="4434019" y="4779071"/>
+                <a:off x="4434019" y="4728128"/>
                 <a:ext cx="7478329" cy="1169166"/>
               </a:xfrm>
               <a:prstGeom prst="rect">
@@ -25667,7 +25679,7 @@
             </p:nvSpPr>
             <p:spPr>
               <a:xfrm>
-                <a:off x="4434019" y="4779071"/>
+                <a:off x="4434019" y="4728128"/>
                 <a:ext cx="7478329" cy="1169166"/>
               </a:xfrm>
               <a:prstGeom prst="rect">
@@ -25759,8 +25771,8 @@
           </a:p>
         </p:txBody>
       </p:sp>
-      <mc:AlternateContent xmlns:mc="http://schemas.openxmlformats.org/markup-compatibility/2006">
-        <mc:Choice xmlns:a14="http://schemas.microsoft.com/office/drawing/2010/main" Requires="a14">
+      <mc:AlternateContent xmlns:mc="http://schemas.openxmlformats.org/markup-compatibility/2006" xmlns:a14="http://schemas.microsoft.com/office/drawing/2010/main">
+        <mc:Choice Requires="a14">
           <p:sp>
             <p:nvSpPr>
               <p:cNvPr id="13" name="TextBox 12"/>
@@ -25979,7 +25991,7 @@
             </p:txBody>
           </p:sp>
         </mc:Choice>
-        <mc:Fallback>
+        <mc:Fallback xmlns="">
           <p:sp>
             <p:nvSpPr>
               <p:cNvPr id="13" name="TextBox 12"/>
@@ -33977,8 +33989,8 @@
           </a:fontRef>
         </p:style>
       </p:cxnSp>
-      <mc:AlternateContent xmlns:mc="http://schemas.openxmlformats.org/markup-compatibility/2006" xmlns:a14="http://schemas.microsoft.com/office/drawing/2010/main">
-        <mc:Choice Requires="a14">
+      <mc:AlternateContent xmlns:mc="http://schemas.openxmlformats.org/markup-compatibility/2006">
+        <mc:Choice xmlns:a14="http://schemas.microsoft.com/office/drawing/2010/main" Requires="a14">
           <p:sp>
             <p:nvSpPr>
               <p:cNvPr id="91" name="TextBox 90"/>
@@ -33987,7 +33999,7 @@
             </p:nvSpPr>
             <p:spPr>
               <a:xfrm>
-                <a:off x="403569" y="5622367"/>
+                <a:off x="375877" y="5275698"/>
                 <a:ext cx="2385268" cy="473015"/>
               </a:xfrm>
               <a:prstGeom prst="rect">
@@ -34111,7 +34123,7 @@
             </p:txBody>
           </p:sp>
         </mc:Choice>
-        <mc:Fallback xmlns="">
+        <mc:Fallback>
           <p:sp>
             <p:nvSpPr>
               <p:cNvPr id="91" name="TextBox 90"/>
@@ -34122,7 +34134,7 @@
             </p:nvSpPr>
             <p:spPr>
               <a:xfrm>
-                <a:off x="403569" y="5622367"/>
+                <a:off x="375877" y="5275698"/>
                 <a:ext cx="2385268" cy="473015"/>
               </a:xfrm>
               <a:prstGeom prst="rect">
@@ -34161,7 +34173,7 @@
         <p:spPr>
           <a:xfrm>
             <a:off x="1568511" y="3769356"/>
-            <a:ext cx="0" cy="1736499"/>
+            <a:ext cx="0" cy="1465347"/>
           </a:xfrm>
           <a:prstGeom prst="straightConnector1">
             <a:avLst/>
@@ -34211,6 +34223,79 @@
           </a:p>
         </p:txBody>
       </p:sp>
+      <p:sp>
+        <p:nvSpPr>
+          <p:cNvPr id="4" name="TextBox 3"/>
+          <p:cNvSpPr txBox="1"/>
+          <p:nvPr/>
+        </p:nvSpPr>
+        <p:spPr>
+          <a:xfrm>
+            <a:off x="197069" y="6358066"/>
+            <a:ext cx="1022131" cy="369332"/>
+          </a:xfrm>
+          <a:prstGeom prst="rect">
+            <a:avLst/>
+          </a:prstGeom>
+          <a:noFill/>
+        </p:spPr>
+        <p:txBody>
+          <a:bodyPr wrap="square" rtlCol="0">
+            <a:spAutoFit/>
+          </a:bodyPr>
+          <a:lstStyle/>
+          <a:p>
+            <a:r>
+              <a:rPr lang="en-ZA" dirty="0" smtClean="0">
+                <a:solidFill>
+                  <a:srgbClr val="00B050"/>
+                </a:solidFill>
+              </a:rPr>
+              <a:t>Visibility</a:t>
+            </a:r>
+            <a:endParaRPr lang="en-ZA" dirty="0">
+              <a:solidFill>
+                <a:srgbClr val="00B050"/>
+              </a:solidFill>
+            </a:endParaRPr>
+          </a:p>
+        </p:txBody>
+      </p:sp>
+      <p:cxnSp>
+        <p:nvCxnSpPr>
+          <p:cNvPr id="15" name="Straight Arrow Connector 14"/>
+          <p:cNvCxnSpPr>
+            <a:stCxn id="4" idx="0"/>
+          </p:cNvCxnSpPr>
+          <p:nvPr/>
+        </p:nvCxnSpPr>
+        <p:spPr>
+          <a:xfrm flipH="1" flipV="1">
+            <a:off x="691978" y="5857103"/>
+            <a:ext cx="16157" cy="500963"/>
+          </a:xfrm>
+          <a:prstGeom prst="straightConnector1">
+            <a:avLst/>
+          </a:prstGeom>
+          <a:ln>
+            <a:tailEnd type="triangle"/>
+          </a:ln>
+        </p:spPr>
+        <p:style>
+          <a:lnRef idx="1">
+            <a:schemeClr val="accent1"/>
+          </a:lnRef>
+          <a:fillRef idx="0">
+            <a:schemeClr val="accent1"/>
+          </a:fillRef>
+          <a:effectRef idx="0">
+            <a:schemeClr val="accent1"/>
+          </a:effectRef>
+          <a:fontRef idx="minor">
+            <a:schemeClr val="tx1"/>
+          </a:fontRef>
+        </p:style>
+      </p:cxnSp>
     </p:spTree>
     <p:extLst>
       <p:ext uri="{BB962C8B-B14F-4D97-AF65-F5344CB8AC3E}">
@@ -36895,6 +36980,82 @@
           </a:p>
         </p:txBody>
       </p:sp>
+      <p:sp>
+        <p:nvSpPr>
+          <p:cNvPr id="9" name="TextBox 8"/>
+          <p:cNvSpPr txBox="1"/>
+          <p:nvPr/>
+        </p:nvSpPr>
+        <p:spPr>
+          <a:xfrm>
+            <a:off x="2898665" y="1437851"/>
+            <a:ext cx="1040670" cy="369332"/>
+          </a:xfrm>
+          <a:prstGeom prst="rect">
+            <a:avLst/>
+          </a:prstGeom>
+          <a:noFill/>
+        </p:spPr>
+        <p:txBody>
+          <a:bodyPr wrap="none" rtlCol="0">
+            <a:spAutoFit/>
+          </a:bodyPr>
+          <a:lstStyle/>
+          <a:p>
+            <a:r>
+              <a:rPr lang="en-ZA" dirty="0" smtClean="0">
+                <a:solidFill>
+                  <a:srgbClr val="00B050"/>
+                </a:solidFill>
+              </a:rPr>
+              <a:t>Voltages:</a:t>
+            </a:r>
+            <a:endParaRPr lang="en-ZA" dirty="0">
+              <a:solidFill>
+                <a:srgbClr val="00B050"/>
+              </a:solidFill>
+            </a:endParaRPr>
+          </a:p>
+        </p:txBody>
+      </p:sp>
+      <p:sp>
+        <p:nvSpPr>
+          <p:cNvPr id="10" name="TextBox 9"/>
+          <p:cNvSpPr txBox="1"/>
+          <p:nvPr/>
+        </p:nvSpPr>
+        <p:spPr>
+          <a:xfrm>
+            <a:off x="2898665" y="2441713"/>
+            <a:ext cx="1035861" cy="369332"/>
+          </a:xfrm>
+          <a:prstGeom prst="rect">
+            <a:avLst/>
+          </a:prstGeom>
+          <a:noFill/>
+        </p:spPr>
+        <p:txBody>
+          <a:bodyPr wrap="none" rtlCol="0">
+            <a:spAutoFit/>
+          </a:bodyPr>
+          <a:lstStyle/>
+          <a:p>
+            <a:r>
+              <a:rPr lang="en-ZA" dirty="0" smtClean="0">
+                <a:solidFill>
+                  <a:srgbClr val="00B050"/>
+                </a:solidFill>
+              </a:rPr>
+              <a:t>Visibility:</a:t>
+            </a:r>
+            <a:endParaRPr lang="en-ZA" dirty="0">
+              <a:solidFill>
+                <a:srgbClr val="00B050"/>
+              </a:solidFill>
+            </a:endParaRPr>
+          </a:p>
+        </p:txBody>
+      </p:sp>
     </p:spTree>
     <p:extLst>
       <p:ext uri="{BB962C8B-B14F-4D97-AF65-F5344CB8AC3E}">
